--- a/Reading Material/Office_Documents/dissertation_powerpoint.pptx
+++ b/Reading Material/Office_Documents/dissertation_powerpoint.pptx
@@ -17,6 +17,7 @@
     <p:sldId id="265" r:id="rId11"/>
     <p:sldId id="267" r:id="rId12"/>
     <p:sldId id="266" r:id="rId13"/>
+    <p:sldId id="268" r:id="rId14"/>
   </p:sldIdLst>
   <p:sldSz cx="12192000" cy="6858000"/>
   <p:notesSz cx="6858000" cy="9144000"/>
@@ -270,7 +271,7 @@
           <a:p>
             <a:fld id="{6A24F80A-9FC9-4296-851C-6F6D2C53FC82}" type="datetimeFigureOut">
               <a:rPr lang="en-US" smtClean="0"/>
-              <a:t>4/24/2023</a:t>
+              <a:t>5/2/2023</a:t>
             </a:fld>
             <a:endParaRPr lang="en-US"/>
           </a:p>
@@ -468,7 +469,7 @@
           <a:p>
             <a:fld id="{6A24F80A-9FC9-4296-851C-6F6D2C53FC82}" type="datetimeFigureOut">
               <a:rPr lang="en-US" smtClean="0"/>
-              <a:t>4/24/2023</a:t>
+              <a:t>5/2/2023</a:t>
             </a:fld>
             <a:endParaRPr lang="en-US"/>
           </a:p>
@@ -676,7 +677,7 @@
           <a:p>
             <a:fld id="{6A24F80A-9FC9-4296-851C-6F6D2C53FC82}" type="datetimeFigureOut">
               <a:rPr lang="en-US" smtClean="0"/>
-              <a:t>4/24/2023</a:t>
+              <a:t>5/2/2023</a:t>
             </a:fld>
             <a:endParaRPr lang="en-US"/>
           </a:p>
@@ -874,7 +875,7 @@
           <a:p>
             <a:fld id="{6A24F80A-9FC9-4296-851C-6F6D2C53FC82}" type="datetimeFigureOut">
               <a:rPr lang="en-US" smtClean="0"/>
-              <a:t>4/24/2023</a:t>
+              <a:t>5/2/2023</a:t>
             </a:fld>
             <a:endParaRPr lang="en-US"/>
           </a:p>
@@ -1149,7 +1150,7 @@
           <a:p>
             <a:fld id="{6A24F80A-9FC9-4296-851C-6F6D2C53FC82}" type="datetimeFigureOut">
               <a:rPr lang="en-US" smtClean="0"/>
-              <a:t>4/24/2023</a:t>
+              <a:t>5/2/2023</a:t>
             </a:fld>
             <a:endParaRPr lang="en-US"/>
           </a:p>
@@ -1414,7 +1415,7 @@
           <a:p>
             <a:fld id="{6A24F80A-9FC9-4296-851C-6F6D2C53FC82}" type="datetimeFigureOut">
               <a:rPr lang="en-US" smtClean="0"/>
-              <a:t>4/24/2023</a:t>
+              <a:t>5/2/2023</a:t>
             </a:fld>
             <a:endParaRPr lang="en-US"/>
           </a:p>
@@ -1826,7 +1827,7 @@
           <a:p>
             <a:fld id="{6A24F80A-9FC9-4296-851C-6F6D2C53FC82}" type="datetimeFigureOut">
               <a:rPr lang="en-US" smtClean="0"/>
-              <a:t>4/24/2023</a:t>
+              <a:t>5/2/2023</a:t>
             </a:fld>
             <a:endParaRPr lang="en-US"/>
           </a:p>
@@ -1967,7 +1968,7 @@
           <a:p>
             <a:fld id="{6A24F80A-9FC9-4296-851C-6F6D2C53FC82}" type="datetimeFigureOut">
               <a:rPr lang="en-US" smtClean="0"/>
-              <a:t>4/24/2023</a:t>
+              <a:t>5/2/2023</a:t>
             </a:fld>
             <a:endParaRPr lang="en-US"/>
           </a:p>
@@ -2080,7 +2081,7 @@
           <a:p>
             <a:fld id="{6A24F80A-9FC9-4296-851C-6F6D2C53FC82}" type="datetimeFigureOut">
               <a:rPr lang="en-US" smtClean="0"/>
-              <a:t>4/24/2023</a:t>
+              <a:t>5/2/2023</a:t>
             </a:fld>
             <a:endParaRPr lang="en-US"/>
           </a:p>
@@ -2391,7 +2392,7 @@
           <a:p>
             <a:fld id="{6A24F80A-9FC9-4296-851C-6F6D2C53FC82}" type="datetimeFigureOut">
               <a:rPr lang="en-US" smtClean="0"/>
-              <a:t>4/24/2023</a:t>
+              <a:t>5/2/2023</a:t>
             </a:fld>
             <a:endParaRPr lang="en-US"/>
           </a:p>
@@ -2679,7 +2680,7 @@
           <a:p>
             <a:fld id="{6A24F80A-9FC9-4296-851C-6F6D2C53FC82}" type="datetimeFigureOut">
               <a:rPr lang="en-US" smtClean="0"/>
-              <a:t>4/24/2023</a:t>
+              <a:t>5/2/2023</a:t>
             </a:fld>
             <a:endParaRPr lang="en-US"/>
           </a:p>
@@ -2920,7 +2921,7 @@
           <a:p>
             <a:fld id="{6A24F80A-9FC9-4296-851C-6F6D2C53FC82}" type="datetimeFigureOut">
               <a:rPr lang="en-US" smtClean="0"/>
-              <a:t>4/24/2023</a:t>
+              <a:t>5/2/2023</a:t>
             </a:fld>
             <a:endParaRPr lang="en-US"/>
           </a:p>
@@ -3983,6 +3984,249 @@
 </p:sld>
 </file>
 
+<file path=ppt/slides/slide13.xml><?xml version="1.0" encoding="utf-8"?>
+<p:sld xmlns:a="http://schemas.openxmlformats.org/drawingml/2006/main" xmlns:r="http://schemas.openxmlformats.org/officeDocument/2006/relationships" xmlns:p="http://schemas.openxmlformats.org/presentationml/2006/main">
+  <p:cSld>
+    <p:spTree>
+      <p:nvGrpSpPr>
+        <p:cNvPr id="1" name=""/>
+        <p:cNvGrpSpPr/>
+        <p:nvPr/>
+      </p:nvGrpSpPr>
+      <p:grpSpPr>
+        <a:xfrm>
+          <a:off x="0" y="0"/>
+          <a:ext cx="0" cy="0"/>
+          <a:chOff x="0" y="0"/>
+          <a:chExt cx="0" cy="0"/>
+        </a:xfrm>
+      </p:grpSpPr>
+      <p:sp>
+        <p:nvSpPr>
+          <p:cNvPr id="2" name="Title 1">
+            <a:extLst>
+              <a:ext uri="{FF2B5EF4-FFF2-40B4-BE49-F238E27FC236}">
+                <a16:creationId xmlns:a16="http://schemas.microsoft.com/office/drawing/2014/main" id="{6BC5384D-3664-3F8E-44EA-116DCCD47005}"/>
+              </a:ext>
+            </a:extLst>
+          </p:cNvPr>
+          <p:cNvSpPr>
+            <a:spLocks noGrp="1"/>
+          </p:cNvSpPr>
+          <p:nvPr>
+            <p:ph type="title"/>
+          </p:nvPr>
+        </p:nvSpPr>
+        <p:spPr/>
+        <p:txBody>
+          <a:bodyPr/>
+          <a:lstStyle/>
+          <a:p>
+            <a:r>
+              <a:rPr lang="en-US" dirty="0"/>
+              <a:t>Google </a:t>
+            </a:r>
+            <a:r>
+              <a:rPr lang="en-US" dirty="0" err="1"/>
+              <a:t>Api</a:t>
+            </a:r>
+            <a:r>
+              <a:rPr lang="en-US" dirty="0"/>
+              <a:t> </a:t>
+            </a:r>
+            <a:r>
+              <a:rPr lang="en-US" dirty="0" err="1"/>
+              <a:t>Diarization</a:t>
+            </a:r>
+            <a:endParaRPr lang="en-US" dirty="0"/>
+          </a:p>
+        </p:txBody>
+      </p:sp>
+      <p:sp>
+        <p:nvSpPr>
+          <p:cNvPr id="3" name="Content Placeholder 2">
+            <a:extLst>
+              <a:ext uri="{FF2B5EF4-FFF2-40B4-BE49-F238E27FC236}">
+                <a16:creationId xmlns:a16="http://schemas.microsoft.com/office/drawing/2014/main" id="{CE020112-E466-2963-0B17-293A0466F1A3}"/>
+              </a:ext>
+            </a:extLst>
+          </p:cNvPr>
+          <p:cNvSpPr>
+            <a:spLocks noGrp="1"/>
+          </p:cNvSpPr>
+          <p:nvPr>
+            <p:ph idx="1"/>
+          </p:nvPr>
+        </p:nvSpPr>
+        <p:spPr/>
+        <p:txBody>
+          <a:bodyPr>
+            <a:normAutofit fontScale="77500" lnSpcReduction="20000"/>
+          </a:bodyPr>
+          <a:lstStyle/>
+          <a:p>
+            <a:pPr algn="l"/>
+            <a:r>
+              <a:rPr lang="en-US" b="0" i="0" dirty="0">
+                <a:effectLst/>
+                <a:latin typeface="Söhne"/>
+              </a:rPr>
+              <a:t>Google Cloud Speech-to-Text API can be used to identify different speakers in an audio stream, a feature called Speaker </a:t>
+            </a:r>
+            <a:r>
+              <a:rPr lang="en-US" b="0" i="0" dirty="0" err="1">
+                <a:effectLst/>
+                <a:latin typeface="Söhne"/>
+              </a:rPr>
+              <a:t>Diarization</a:t>
+            </a:r>
+            <a:r>
+              <a:rPr lang="en-US" b="0" i="0" dirty="0">
+                <a:effectLst/>
+                <a:latin typeface="Söhne"/>
+              </a:rPr>
+              <a:t>. Speaker </a:t>
+            </a:r>
+            <a:r>
+              <a:rPr lang="en-US" b="0" i="0" dirty="0" err="1">
+                <a:effectLst/>
+                <a:latin typeface="Söhne"/>
+              </a:rPr>
+              <a:t>Diarization</a:t>
+            </a:r>
+            <a:r>
+              <a:rPr lang="en-US" b="0" i="0" dirty="0">
+                <a:effectLst/>
+                <a:latin typeface="Söhne"/>
+              </a:rPr>
+              <a:t> allows the API to determine when one speaker stops talking and another starts.</a:t>
+            </a:r>
+          </a:p>
+          <a:p>
+            <a:pPr algn="l"/>
+            <a:r>
+              <a:rPr lang="en-US" b="0" i="0" dirty="0">
+                <a:effectLst/>
+                <a:latin typeface="Söhne"/>
+              </a:rPr>
+              <a:t>To use Speaker </a:t>
+            </a:r>
+            <a:r>
+              <a:rPr lang="en-US" b="0" i="0" dirty="0" err="1">
+                <a:effectLst/>
+                <a:latin typeface="Söhne"/>
+              </a:rPr>
+              <a:t>Diarization</a:t>
+            </a:r>
+            <a:r>
+              <a:rPr lang="en-US" b="0" i="0" dirty="0">
+                <a:effectLst/>
+                <a:latin typeface="Söhne"/>
+              </a:rPr>
+              <a:t>, you need to provide a hint to the API about the number of speakers present in the audio and their identities, if available. You can provide this information in the form of a Speaker </a:t>
+            </a:r>
+            <a:r>
+              <a:rPr lang="en-US" b="0" i="0" dirty="0" err="1">
+                <a:effectLst/>
+                <a:latin typeface="Söhne"/>
+              </a:rPr>
+              <a:t>Diarization</a:t>
+            </a:r>
+            <a:r>
+              <a:rPr lang="en-US" b="0" i="0" dirty="0">
+                <a:effectLst/>
+                <a:latin typeface="Söhne"/>
+              </a:rPr>
+              <a:t> Hint, which is a JSON object that associates a unique ID with each speaker and specifies the time intervals in which each speaker is active.</a:t>
+            </a:r>
+          </a:p>
+          <a:p>
+            <a:pPr algn="l"/>
+            <a:r>
+              <a:rPr lang="en-US" b="0" i="0" dirty="0">
+                <a:effectLst/>
+                <a:latin typeface="Söhne"/>
+              </a:rPr>
+              <a:t>Once you provide the Speaker </a:t>
+            </a:r>
+            <a:r>
+              <a:rPr lang="en-US" b="0" i="0" dirty="0" err="1">
+                <a:effectLst/>
+                <a:latin typeface="Söhne"/>
+              </a:rPr>
+              <a:t>Diarization</a:t>
+            </a:r>
+            <a:r>
+              <a:rPr lang="en-US" b="0" i="0" dirty="0">
+                <a:effectLst/>
+                <a:latin typeface="Söhne"/>
+              </a:rPr>
+              <a:t> Hint to the API, it will analyze the audio and provide a list of words spoken by each speaker, along with the corresponding timestamps. This can be helpful for transcribing multi-speaker conversations, such as in a meeting or a </a:t>
+            </a:r>
+            <a:r>
+              <a:rPr lang="en-US" b="1" i="0" dirty="0">
+                <a:effectLst/>
+                <a:latin typeface="Söhne"/>
+              </a:rPr>
+              <a:t>phone call.</a:t>
+            </a:r>
+          </a:p>
+          <a:p>
+            <a:pPr algn="l"/>
+            <a:r>
+              <a:rPr lang="en-US" b="0" i="0" dirty="0">
+                <a:effectLst/>
+                <a:latin typeface="Söhne"/>
+              </a:rPr>
+              <a:t>Note that Speaker </a:t>
+            </a:r>
+            <a:r>
+              <a:rPr lang="en-US" b="0" i="0" dirty="0" err="1">
+                <a:effectLst/>
+                <a:latin typeface="Söhne"/>
+              </a:rPr>
+              <a:t>Diarization</a:t>
+            </a:r>
+            <a:r>
+              <a:rPr lang="en-US" b="0" i="0" dirty="0">
+                <a:effectLst/>
+                <a:latin typeface="Söhne"/>
+              </a:rPr>
+              <a:t> is an advanced feature of the Google Cloud Speech-to-Text API, and it may require additional configuration and processing time to enable. Additionally, the accuracy of Speaker </a:t>
+            </a:r>
+            <a:r>
+              <a:rPr lang="en-US" b="0" i="0" dirty="0" err="1">
+                <a:effectLst/>
+                <a:latin typeface="Söhne"/>
+              </a:rPr>
+              <a:t>Diarization</a:t>
+            </a:r>
+            <a:r>
+              <a:rPr lang="en-US" b="0" i="0" dirty="0">
+                <a:effectLst/>
+                <a:latin typeface="Söhne"/>
+              </a:rPr>
+              <a:t> may be affected by various factors, such as background noise, overlapping speech, and speaker recognition errors.</a:t>
+            </a:r>
+          </a:p>
+          <a:p>
+            <a:endParaRPr lang="en-US" dirty="0"/>
+          </a:p>
+        </p:txBody>
+      </p:sp>
+    </p:spTree>
+    <p:extLst>
+      <p:ext uri="{BB962C8B-B14F-4D97-AF65-F5344CB8AC3E}">
+        <p14:creationId xmlns:p14="http://schemas.microsoft.com/office/powerpoint/2010/main" val="379600417"/>
+      </p:ext>
+    </p:extLst>
+  </p:cSld>
+  <p:clrMapOvr>
+    <a:masterClrMapping/>
+  </p:clrMapOvr>
+</p:sld>
+</file>
+
 <file path=ppt/slides/slide2.xml><?xml version="1.0" encoding="utf-8"?>
 <p:sld xmlns:a="http://schemas.openxmlformats.org/drawingml/2006/main" xmlns:r="http://schemas.openxmlformats.org/officeDocument/2006/relationships" xmlns:p="http://schemas.openxmlformats.org/presentationml/2006/main">
   <p:cSld>
